--- a/slides/Presentation - Portfolio Analysis Challenge.pptx
+++ b/slides/Presentation - Portfolio Analysis Challenge.pptx
@@ -10465,7 +10465,7 @@
         <p:spPr>
           <a:xfrm rot="0">
             <a:off x="11672887" y="1805877"/>
-            <a:ext cx="5586412" cy="406527"/>
+            <a:ext cx="5586412" cy="389255"/>
           </a:xfrm>
           <a:prstGeom prst="rect">
             <a:avLst/>
@@ -10479,14 +10479,14 @@
           <a:p>
             <a:pPr algn="ctr">
               <a:lnSpc>
-                <a:spcPts val="3318"/>
+                <a:spcPts val="3220"/>
               </a:lnSpc>
               <a:spcBef>
                 <a:spcPct val="0"/>
               </a:spcBef>
             </a:pPr>
             <a:r>
-              <a:rPr lang="en-US" b="true" sz="2370">
+              <a:rPr lang="en-US" b="true" sz="2300">
                 <a:solidFill>
                   <a:srgbClr val="E2E8F0"/>
                 </a:solidFill>
@@ -10541,7 +10541,7 @@
           <p:nvPr/>
         </p:nvGraphicFramePr>
         <p:xfrm>
-          <a:off x="11477545" y="5627935"/>
+          <a:off x="11477545" y="4563496"/>
           <a:ext cx="6280547" cy="2809875"/>
         </p:xfrm>
         <a:graphic>
@@ -13078,7 +13078,7 @@
         </p:nvSpPr>
         <p:spPr>
           <a:xfrm rot="0">
-            <a:off x="11477545" y="4484547"/>
+            <a:off x="11477545" y="3420107"/>
             <a:ext cx="6280547" cy="406527"/>
           </a:xfrm>
           <a:prstGeom prst="rect">
@@ -13210,7 +13210,7 @@
         </p:nvSpPr>
         <p:spPr>
           <a:xfrm rot="0">
-            <a:off x="11477545" y="4985112"/>
+            <a:off x="11477545" y="3920673"/>
             <a:ext cx="6280547" cy="365760"/>
           </a:xfrm>
           <a:prstGeom prst="rect">
@@ -13293,6 +13293,116 @@
             <a:tailEnd type="none" len="sm" w="sm"/>
           </a:ln>
         </p:spPr>
+      </p:sp>
+      <p:sp>
+        <p:nvSpPr>
+          <p:cNvPr name="TextBox 13" id="13"/>
+          <p:cNvSpPr txBox="true"/>
+          <p:nvPr/>
+        </p:nvSpPr>
+        <p:spPr>
+          <a:xfrm rot="0">
+            <a:off x="11477545" y="8188813"/>
+            <a:ext cx="6280547" cy="1057275"/>
+          </a:xfrm>
+          <a:prstGeom prst="rect">
+            <a:avLst/>
+          </a:prstGeom>
+        </p:spPr>
+        <p:txBody>
+          <a:bodyPr anchor="t" rtlCol="false" tIns="0" lIns="0" bIns="0" rIns="0">
+            <a:spAutoFit/>
+          </a:bodyPr>
+          <a:lstStyle/>
+          <a:p>
+            <a:pPr algn="ctr">
+              <a:lnSpc>
+                <a:spcPts val="2100"/>
+              </a:lnSpc>
+              <a:spcBef>
+                <a:spcPct val="0"/>
+              </a:spcBef>
+            </a:pPr>
+            <a:r>
+              <a:rPr lang="en-US" b="true" sz="1500">
+                <a:solidFill>
+                  <a:srgbClr val="E2E8F0"/>
+                </a:solidFill>
+                <a:latin typeface="Clear Sans Medium"/>
+                <a:ea typeface="Clear Sans Medium"/>
+                <a:cs typeface="Clear Sans Medium"/>
+                <a:sym typeface="Clear Sans Medium"/>
+              </a:rPr>
+              <a:t>CORR(ASSET5, ASSET1) ≈ −0.106 (SLIGHTLY NEGATIVE)</a:t>
+            </a:r>
+          </a:p>
+          <a:p>
+            <a:pPr algn="ctr">
+              <a:lnSpc>
+                <a:spcPts val="2100"/>
+              </a:lnSpc>
+              <a:spcBef>
+                <a:spcPct val="0"/>
+              </a:spcBef>
+            </a:pPr>
+            <a:r>
+              <a:rPr lang="en-US" b="true" sz="1500">
+                <a:solidFill>
+                  <a:srgbClr val="E2E8F0"/>
+                </a:solidFill>
+                <a:latin typeface="Clear Sans Medium"/>
+                <a:ea typeface="Clear Sans Medium"/>
+                <a:cs typeface="Clear Sans Medium"/>
+                <a:sym typeface="Clear Sans Medium"/>
+              </a:rPr>
+              <a:t>CORR(ASSET5, ASSET2) ≈ 0.591 (MODERATELY POSITIVE)</a:t>
+            </a:r>
+          </a:p>
+          <a:p>
+            <a:pPr algn="ctr">
+              <a:lnSpc>
+                <a:spcPts val="2100"/>
+              </a:lnSpc>
+              <a:spcBef>
+                <a:spcPct val="0"/>
+              </a:spcBef>
+            </a:pPr>
+            <a:r>
+              <a:rPr lang="en-US" b="true" sz="1500">
+                <a:solidFill>
+                  <a:srgbClr val="E2E8F0"/>
+                </a:solidFill>
+                <a:latin typeface="Clear Sans Medium"/>
+                <a:ea typeface="Clear Sans Medium"/>
+                <a:cs typeface="Clear Sans Medium"/>
+                <a:sym typeface="Clear Sans Medium"/>
+              </a:rPr>
+              <a:t>CORR(ASSET5, ASSET3) ≈ 0.557 (MODERATELY POSITIVE)</a:t>
+            </a:r>
+          </a:p>
+          <a:p>
+            <a:pPr algn="ctr">
+              <a:lnSpc>
+                <a:spcPts val="2100"/>
+              </a:lnSpc>
+              <a:spcBef>
+                <a:spcPct val="0"/>
+              </a:spcBef>
+            </a:pPr>
+            <a:r>
+              <a:rPr lang="en-US" b="true" sz="1500">
+                <a:solidFill>
+                  <a:srgbClr val="E2E8F0"/>
+                </a:solidFill>
+                <a:latin typeface="Clear Sans Medium"/>
+                <a:ea typeface="Clear Sans Medium"/>
+                <a:cs typeface="Clear Sans Medium"/>
+                <a:sym typeface="Clear Sans Medium"/>
+              </a:rPr>
+              <a:t>CORR(ASSET5, ASSET4) ≈ 0.421 (POSITIVE)</a:t>
+            </a:r>
+          </a:p>
+        </p:txBody>
       </p:sp>
     </p:spTree>
   </p:cSld>
